--- a/Parinita Singh - Business Analyst Presentation.pptx
+++ b/Parinita Singh - Business Analyst Presentation.pptx
@@ -3995,7 +3995,7 @@
                 <a:ea typeface="Lora" pitchFamily="34" charset="-122"/>
                 <a:cs typeface="Lora" pitchFamily="34" charset="-120"/>
               </a:rPr>
-              <a:t>Expected to cut financial losses by 20% through early detection.</a:t>
+              <a:t>Expected to cut financial losses through early detection.</a:t>
             </a:r>
             <a:endParaRPr lang="en-US" sz="1125" dirty="0"/>
           </a:p>
